--- a/10-孟慧玲组/Finished - Design Patterns for Container-Based Distributed Systems.pptx
+++ b/10-孟慧玲组/Finished - Design Patterns for Container-Based Distributed Systems.pptx
@@ -6740,7 +6740,7 @@
         <p:spPr>
           <a:xfrm>
             <a:off x="3923665" y="3077210"/>
-            <a:ext cx="1339850" cy="468630"/>
+            <a:ext cx="1339850" cy="445770"/>
           </a:xfrm>
           <a:prstGeom prst="rect">
             <a:avLst/>
@@ -6760,33 +6760,15 @@
               </a:spcBef>
             </a:pPr>
             <a:r>
-              <a:rPr spc="-5" dirty="0">
+              <a:rPr lang="en-US" dirty="0">
                 <a:solidFill>
                   <a:srgbClr val="FFFFFF"/>
                 </a:solidFill>
                 <a:latin typeface="Arial" panose="020B0604020202090204"/>
                 <a:cs typeface="Arial" panose="020B0604020202090204"/>
-                <a:sym typeface="+mn-ea"/>
-              </a:rPr>
-              <a:t>Ambasssdor</a:t>
-            </a:r>
-            <a:endParaRPr spc="-5" dirty="0">
-              <a:solidFill>
-                <a:srgbClr val="FFFFFF"/>
-              </a:solidFill>
-              <a:latin typeface="Arial" panose="020B0604020202090204"/>
-              <a:cs typeface="Arial" panose="020B0604020202090204"/>
-            </a:endParaRPr>
-          </a:p>
-          <a:p>
-            <a:pPr marL="12700" marR="5080" indent="-635" algn="ctr">
-              <a:lnSpc>
-                <a:spcPts val="1650"/>
-              </a:lnSpc>
-              <a:spcBef>
-                <a:spcPts val="180"/>
-              </a:spcBef>
-            </a:pPr>
+              </a:rPr>
+              <a:t>Work queue </a:t>
+            </a:r>
             <a:r>
               <a:rPr dirty="0">
                 <a:solidFill>
@@ -10253,7 +10235,7 @@
                 </a:solidFill>
                 <a:latin typeface="Noto Sans"/>
                 <a:cs typeface="Noto Sans"/>
-                <a:hlinkClick r:id="rId1" tooltip="" action="ppaction://hlinkfile"/>
+                <a:hlinkClick r:id="rId1" action="ppaction://hlinkfile"/>
               </a:rPr>
               <a:t>用大白话聊聊分布式系统</a:t>
             </a:r>
@@ -10300,7 +10282,7 @@
                 </a:solidFill>
                 <a:latin typeface="Noto Sans"/>
                 <a:cs typeface="Noto Sans"/>
-                <a:hlinkClick r:id="rId2" tooltip="" action="ppaction://hlinkfile"/>
+                <a:hlinkClick r:id="rId2" action="ppaction://hlinkfile"/>
               </a:rPr>
               <a:t>大家都在说的分布式系统到底是什么？</a:t>
             </a:r>
@@ -10347,7 +10329,7 @@
                 </a:solidFill>
                 <a:latin typeface="Noto Sans"/>
                 <a:cs typeface="Noto Sans"/>
-                <a:hlinkClick r:id="rId3" tooltip="" action="ppaction://hlinkfile"/>
+                <a:hlinkClick r:id="rId3" action="ppaction://hlinkfile"/>
               </a:rPr>
               <a:t>十分钟明白什么是容器技术</a:t>
             </a:r>
@@ -10394,7 +10376,7 @@
                 </a:solidFill>
                 <a:latin typeface="Noto Sans"/>
                 <a:cs typeface="Noto Sans"/>
-                <a:hlinkClick r:id="rId4" tooltip="" action="ppaction://hlinkfile"/>
+                <a:hlinkClick r:id="rId4" action="ppaction://hlinkfile"/>
               </a:rPr>
               <a:t>软件危机</a:t>
             </a:r>
@@ -10441,7 +10423,7 @@
                 </a:solidFill>
                 <a:latin typeface="Noto Sans"/>
                 <a:cs typeface="Noto Sans"/>
-                <a:hlinkClick r:id="rId5" tooltip="" action="ppaction://hlinkfile"/>
+                <a:hlinkClick r:id="rId5" action="ppaction://hlinkfile"/>
               </a:rPr>
               <a:t>Notes of &lt;</a:t>
             </a:r>
@@ -10452,7 +10434,7 @@
                 </a:solidFill>
                 <a:latin typeface="Noto Sans"/>
                 <a:cs typeface="Noto Sans"/>
-                <a:hlinkClick r:id="rId5" tooltip="" action="ppaction://hlinkfile"/>
+                <a:hlinkClick r:id="rId5" action="ppaction://hlinkfile"/>
               </a:rPr>
               <a:t>Design patterns for container-based distributed system</a:t>
             </a:r>
@@ -10463,7 +10445,7 @@
                 </a:solidFill>
                 <a:latin typeface="Noto Sans"/>
                 <a:cs typeface="Noto Sans"/>
-                <a:hlinkClick r:id="rId5" tooltip="" action="ppaction://hlinkfile"/>
+                <a:hlinkClick r:id="rId5" action="ppaction://hlinkfile"/>
               </a:rPr>
               <a:t>s&gt;</a:t>
             </a:r>
@@ -10510,7 +10492,7 @@
                 </a:solidFill>
                 <a:latin typeface="Noto Sans"/>
                 <a:cs typeface="Noto Sans"/>
-                <a:hlinkClick r:id="rId6" tooltip="" action="ppaction://hlinkfile"/>
+                <a:hlinkClick r:id="rId6" action="ppaction://hlinkfile"/>
               </a:rPr>
               <a:t>云设计模式</a:t>
             </a:r>
@@ -10557,7 +10539,7 @@
                 </a:solidFill>
                 <a:latin typeface="Noto Sans"/>
                 <a:cs typeface="Noto Sans"/>
-                <a:hlinkClick r:id="rId7" tooltip="" action="ppaction://hlinkfile"/>
+                <a:hlinkClick r:id="rId7" action="ppaction://hlinkfile"/>
               </a:rPr>
               <a:t>Designing Distributed Systems</a:t>
             </a:r>
